--- a/week8/day3/theory/Machine Learning - Logistic Regression.pptx
+++ b/week8/day3/theory/Machine Learning - Logistic Regression.pptx
@@ -224,7 +224,7 @@
           <a:p>
             <a:fld id="{CBC3D06E-D880-4630-85C6-508F7CA16EC0}" type="datetimeFigureOut">
               <a:rPr lang="es-ES" smtClean="0"/>
-              <a:t>01/09/2020</a:t>
+              <a:t>02/09/2020</a:t>
             </a:fld>
             <a:endParaRPr lang="es-ES"/>
           </a:p>
@@ -1328,7 +1328,7 @@
             <a:fld id="{1E700B27-DE4C-4B9E-BB11-B9027034A00F}" type="datetimeFigureOut">
               <a:rPr lang="en-US" smtClean="0"/>
               <a:pPr/>
-              <a:t>9/1/2020</a:t>
+              <a:t>9/2/2020</a:t>
             </a:fld>
             <a:endParaRPr lang="en-US" dirty="0"/>
           </a:p>
@@ -1499,7 +1499,7 @@
           <a:p>
             <a:fld id="{80DBE609-F3F2-45E6-BD6A-E03A8C86C1AE}" type="datetimeFigureOut">
               <a:rPr lang="en-US" smtClean="0"/>
-              <a:t>9/1/2020</a:t>
+              <a:t>9/2/2020</a:t>
             </a:fld>
             <a:endParaRPr lang="en-US" dirty="0"/>
           </a:p>
@@ -1680,7 +1680,7 @@
           <a:p>
             <a:fld id="{7A24AD68-089C-4467-A8F3-EA2BBCA6B44E}" type="datetimeFigureOut">
               <a:rPr lang="en-US" smtClean="0"/>
-              <a:t>9/1/2020</a:t>
+              <a:t>9/2/2020</a:t>
             </a:fld>
             <a:endParaRPr lang="en-US" dirty="0"/>
           </a:p>
@@ -1851,7 +1851,7 @@
           <a:p>
             <a:fld id="{75C51FCE-E4BB-4680-8E50-3C0E348D2609}" type="datetimeFigureOut">
               <a:rPr lang="en-US" smtClean="0"/>
-              <a:t>9/1/2020</a:t>
+              <a:t>9/2/2020</a:t>
             </a:fld>
             <a:endParaRPr lang="en-US" dirty="0"/>
           </a:p>
@@ -2098,7 +2098,7 @@
           <a:p>
             <a:fld id="{8AAA073D-A903-47F8-8D16-77642FB0DF1F}" type="datetimeFigureOut">
               <a:rPr lang="en-US" smtClean="0"/>
-              <a:t>9/1/2020</a:t>
+              <a:t>9/2/2020</a:t>
             </a:fld>
             <a:endParaRPr lang="en-US" dirty="0"/>
           </a:p>
@@ -2331,7 +2331,7 @@
           <a:p>
             <a:fld id="{AB91FA40-626B-4CA1-85D0-7A9016E395BA}" type="datetimeFigureOut">
               <a:rPr lang="en-US" smtClean="0"/>
-              <a:t>9/1/2020</a:t>
+              <a:t>9/2/2020</a:t>
             </a:fld>
             <a:endParaRPr lang="en-US" dirty="0"/>
           </a:p>
@@ -2699,7 +2699,7 @@
           <a:p>
             <a:fld id="{C3F425EA-B9DC-48A7-991E-9A82573B1B21}" type="datetimeFigureOut">
               <a:rPr lang="en-US" smtClean="0"/>
-              <a:t>9/1/2020</a:t>
+              <a:t>9/2/2020</a:t>
             </a:fld>
             <a:endParaRPr lang="en-US" dirty="0"/>
           </a:p>
@@ -2818,7 +2818,7 @@
           <a:p>
             <a:fld id="{66CB97F8-6CEB-469B-AFCC-889F2A2B1D5A}" type="datetimeFigureOut">
               <a:rPr lang="en-US" smtClean="0"/>
-              <a:t>9/1/2020</a:t>
+              <a:t>9/2/2020</a:t>
             </a:fld>
             <a:endParaRPr lang="en-US" dirty="0"/>
           </a:p>
@@ -2914,7 +2914,7 @@
           <a:p>
             <a:fld id="{8FA9179F-009E-4FA5-B091-7EBB82A185BD}" type="datetimeFigureOut">
               <a:rPr lang="en-US" smtClean="0"/>
-              <a:t>9/1/2020</a:t>
+              <a:t>9/2/2020</a:t>
             </a:fld>
             <a:endParaRPr lang="en-US" dirty="0"/>
           </a:p>
@@ -3192,7 +3192,7 @@
           <a:p>
             <a:fld id="{8E665CEB-0076-4E37-B880-BCEA9784DE0A}" type="datetimeFigureOut">
               <a:rPr lang="en-US" smtClean="0"/>
-              <a:t>9/1/2020</a:t>
+              <a:t>9/2/2020</a:t>
             </a:fld>
             <a:endParaRPr lang="en-US" dirty="0"/>
           </a:p>
@@ -3450,7 +3450,7 @@
           <a:p>
             <a:fld id="{A6149E5E-3896-4118-99A7-7B85668F1C5E}" type="datetimeFigureOut">
               <a:rPr lang="en-US" smtClean="0"/>
-              <a:t>9/1/2020</a:t>
+              <a:t>9/2/2020</a:t>
             </a:fld>
             <a:endParaRPr lang="en-US" dirty="0"/>
           </a:p>
@@ -3664,7 +3664,7 @@
           <a:p>
             <a:fld id="{7E0D914D-B099-4142-A885-11F276715148}" type="datetimeFigureOut">
               <a:rPr lang="en-US" smtClean="0"/>
-              <a:t>9/1/2020</a:t>
+              <a:t>9/2/2020</a:t>
             </a:fld>
             <a:endParaRPr lang="en-US" dirty="0"/>
           </a:p>
@@ -4089,8 +4089,8 @@
         </p:nvSpPr>
         <p:spPr>
           <a:xfrm>
-            <a:off x="2276518" y="2766218"/>
-            <a:ext cx="7638964" cy="1325563"/>
+            <a:off x="1472500" y="2766218"/>
+            <a:ext cx="9247000" cy="1325563"/>
           </a:xfrm>
         </p:spPr>
         <p:txBody>
@@ -4103,7 +4103,7 @@
                   <a:srgbClr val="FF0000"/>
                 </a:solidFill>
               </a:rPr>
-              <a:t>Machine Learning - Clasificación</a:t>
+              <a:t>Machine Learning – Regresión logística</a:t>
             </a:r>
           </a:p>
         </p:txBody>
